--- a/Відслідковування_потоку_фроду_на_мережі_мобільного_оператора.pptx
+++ b/Відслідковування_потоку_фроду_на_мережі_мобільного_оператора.pptx
@@ -286,10 +286,10 @@
           </a:lstStyle>
           <a:p>
             <a:fld id="{3681DBAB-61DA-4AFB-8145-4D00CDB6DCA1}" type="datetimeFigureOut">
-              <a:rPr lang="ru-UA" smtClean="0"/>
-              <a:t>09.12.2022</a:t>
+              <a:rPr lang="aa-ET" smtClean="0"/>
+              <a:t>11/12/2022</a:t>
             </a:fld>
-            <a:endParaRPr lang="ru-UA"/>
+            <a:endParaRPr lang="aa-ET"/>
           </a:p>
         </p:txBody>
       </p:sp>
@@ -318,7 +318,7 @@
             </a:lvl1pPr>
           </a:lstStyle>
           <a:p>
-            <a:endParaRPr lang="ru-UA"/>
+            <a:endParaRPr lang="aa-ET"/>
           </a:p>
         </p:txBody>
       </p:sp>
@@ -348,10 +348,10 @@
           </a:lstStyle>
           <a:p>
             <a:fld id="{0CE5E636-E17D-4387-88F3-383E9C1AF6B7}" type="slidenum">
-              <a:rPr lang="ru-UA" smtClean="0"/>
-              <a:t>‹№›</a:t>
+              <a:rPr lang="aa-ET" smtClean="0"/>
+              <a:t>‹#›</a:t>
             </a:fld>
-            <a:endParaRPr lang="ru-UA"/>
+            <a:endParaRPr lang="aa-ET"/>
           </a:p>
         </p:txBody>
       </p:sp>
@@ -514,10 +514,10 @@
           <a:lstStyle/>
           <a:p>
             <a:fld id="{3681DBAB-61DA-4AFB-8145-4D00CDB6DCA1}" type="datetimeFigureOut">
-              <a:rPr lang="ru-UA" smtClean="0"/>
-              <a:t>09.12.2022</a:t>
+              <a:rPr lang="aa-ET" smtClean="0"/>
+              <a:t>11/12/2022</a:t>
             </a:fld>
-            <a:endParaRPr lang="ru-UA"/>
+            <a:endParaRPr lang="aa-ET"/>
           </a:p>
         </p:txBody>
       </p:sp>
@@ -536,7 +536,7 @@
           <a:bodyPr/>
           <a:lstStyle/>
           <a:p>
-            <a:endParaRPr lang="ru-UA"/>
+            <a:endParaRPr lang="aa-ET"/>
           </a:p>
         </p:txBody>
       </p:sp>
@@ -556,10 +556,10 @@
           <a:lstStyle/>
           <a:p>
             <a:fld id="{0CE5E636-E17D-4387-88F3-383E9C1AF6B7}" type="slidenum">
-              <a:rPr lang="ru-UA" smtClean="0"/>
-              <a:t>‹№›</a:t>
+              <a:rPr lang="aa-ET" smtClean="0"/>
+              <a:t>‹#›</a:t>
             </a:fld>
-            <a:endParaRPr lang="ru-UA"/>
+            <a:endParaRPr lang="aa-ET"/>
           </a:p>
         </p:txBody>
       </p:sp>
@@ -694,10 +694,10 @@
           <a:lstStyle/>
           <a:p>
             <a:fld id="{3681DBAB-61DA-4AFB-8145-4D00CDB6DCA1}" type="datetimeFigureOut">
-              <a:rPr lang="ru-UA" smtClean="0"/>
-              <a:t>09.12.2022</a:t>
+              <a:rPr lang="aa-ET" smtClean="0"/>
+              <a:t>11/12/2022</a:t>
             </a:fld>
-            <a:endParaRPr lang="ru-UA"/>
+            <a:endParaRPr lang="aa-ET"/>
           </a:p>
         </p:txBody>
       </p:sp>
@@ -716,7 +716,7 @@
           <a:bodyPr/>
           <a:lstStyle/>
           <a:p>
-            <a:endParaRPr lang="ru-UA"/>
+            <a:endParaRPr lang="aa-ET"/>
           </a:p>
         </p:txBody>
       </p:sp>
@@ -736,10 +736,10 @@
           <a:lstStyle/>
           <a:p>
             <a:fld id="{0CE5E636-E17D-4387-88F3-383E9C1AF6B7}" type="slidenum">
-              <a:rPr lang="ru-UA" smtClean="0"/>
-              <a:t>‹№›</a:t>
+              <a:rPr lang="aa-ET" smtClean="0"/>
+              <a:t>‹#›</a:t>
             </a:fld>
-            <a:endParaRPr lang="ru-UA"/>
+            <a:endParaRPr lang="aa-ET"/>
           </a:p>
         </p:txBody>
       </p:sp>
@@ -864,10 +864,10 @@
           <a:lstStyle/>
           <a:p>
             <a:fld id="{3681DBAB-61DA-4AFB-8145-4D00CDB6DCA1}" type="datetimeFigureOut">
-              <a:rPr lang="ru-UA" smtClean="0"/>
-              <a:t>09.12.2022</a:t>
+              <a:rPr lang="aa-ET" smtClean="0"/>
+              <a:t>11/12/2022</a:t>
             </a:fld>
-            <a:endParaRPr lang="ru-UA"/>
+            <a:endParaRPr lang="aa-ET"/>
           </a:p>
         </p:txBody>
       </p:sp>
@@ -886,7 +886,7 @@
           <a:bodyPr/>
           <a:lstStyle/>
           <a:p>
-            <a:endParaRPr lang="ru-UA"/>
+            <a:endParaRPr lang="aa-ET"/>
           </a:p>
         </p:txBody>
       </p:sp>
@@ -906,10 +906,10 @@
           <a:lstStyle/>
           <a:p>
             <a:fld id="{0CE5E636-E17D-4387-88F3-383E9C1AF6B7}" type="slidenum">
-              <a:rPr lang="ru-UA" smtClean="0"/>
-              <a:t>‹№›</a:t>
+              <a:rPr lang="aa-ET" smtClean="0"/>
+              <a:t>‹#›</a:t>
             </a:fld>
-            <a:endParaRPr lang="ru-UA"/>
+            <a:endParaRPr lang="aa-ET"/>
           </a:p>
         </p:txBody>
       </p:sp>
@@ -1118,10 +1118,10 @@
           <a:lstStyle/>
           <a:p>
             <a:fld id="{3681DBAB-61DA-4AFB-8145-4D00CDB6DCA1}" type="datetimeFigureOut">
-              <a:rPr lang="ru-UA" smtClean="0"/>
-              <a:t>09.12.2022</a:t>
+              <a:rPr lang="aa-ET" smtClean="0"/>
+              <a:t>11/12/2022</a:t>
             </a:fld>
-            <a:endParaRPr lang="ru-UA"/>
+            <a:endParaRPr lang="aa-ET"/>
           </a:p>
         </p:txBody>
       </p:sp>
@@ -1140,7 +1140,7 @@
           <a:bodyPr/>
           <a:lstStyle/>
           <a:p>
-            <a:endParaRPr lang="ru-UA"/>
+            <a:endParaRPr lang="aa-ET"/>
           </a:p>
         </p:txBody>
       </p:sp>
@@ -1160,10 +1160,10 @@
           <a:lstStyle/>
           <a:p>
             <a:fld id="{0CE5E636-E17D-4387-88F3-383E9C1AF6B7}" type="slidenum">
-              <a:rPr lang="ru-UA" smtClean="0"/>
-              <a:t>‹№›</a:t>
+              <a:rPr lang="aa-ET" smtClean="0"/>
+              <a:t>‹#›</a:t>
             </a:fld>
-            <a:endParaRPr lang="ru-UA"/>
+            <a:endParaRPr lang="aa-ET"/>
           </a:p>
         </p:txBody>
       </p:sp>
@@ -1444,10 +1444,10 @@
           <a:lstStyle/>
           <a:p>
             <a:fld id="{3681DBAB-61DA-4AFB-8145-4D00CDB6DCA1}" type="datetimeFigureOut">
-              <a:rPr lang="ru-UA" smtClean="0"/>
-              <a:t>09.12.2022</a:t>
+              <a:rPr lang="aa-ET" smtClean="0"/>
+              <a:t>11/12/2022</a:t>
             </a:fld>
-            <a:endParaRPr lang="ru-UA"/>
+            <a:endParaRPr lang="aa-ET"/>
           </a:p>
         </p:txBody>
       </p:sp>
@@ -1466,7 +1466,7 @@
           <a:bodyPr/>
           <a:lstStyle/>
           <a:p>
-            <a:endParaRPr lang="ru-UA"/>
+            <a:endParaRPr lang="aa-ET"/>
           </a:p>
         </p:txBody>
       </p:sp>
@@ -1486,10 +1486,10 @@
           <a:lstStyle/>
           <a:p>
             <a:fld id="{0CE5E636-E17D-4387-88F3-383E9C1AF6B7}" type="slidenum">
-              <a:rPr lang="ru-UA" smtClean="0"/>
-              <a:t>‹№›</a:t>
+              <a:rPr lang="aa-ET" smtClean="0"/>
+              <a:t>‹#›</a:t>
             </a:fld>
-            <a:endParaRPr lang="ru-UA"/>
+            <a:endParaRPr lang="aa-ET"/>
           </a:p>
         </p:txBody>
       </p:sp>
@@ -1895,10 +1895,10 @@
           <a:lstStyle/>
           <a:p>
             <a:fld id="{3681DBAB-61DA-4AFB-8145-4D00CDB6DCA1}" type="datetimeFigureOut">
-              <a:rPr lang="ru-UA" smtClean="0"/>
-              <a:t>09.12.2022</a:t>
+              <a:rPr lang="aa-ET" smtClean="0"/>
+              <a:t>11/12/2022</a:t>
             </a:fld>
-            <a:endParaRPr lang="ru-UA"/>
+            <a:endParaRPr lang="aa-ET"/>
           </a:p>
         </p:txBody>
       </p:sp>
@@ -1917,7 +1917,7 @@
           <a:bodyPr/>
           <a:lstStyle/>
           <a:p>
-            <a:endParaRPr lang="ru-UA"/>
+            <a:endParaRPr lang="aa-ET"/>
           </a:p>
         </p:txBody>
       </p:sp>
@@ -1937,10 +1937,10 @@
           <a:lstStyle/>
           <a:p>
             <a:fld id="{0CE5E636-E17D-4387-88F3-383E9C1AF6B7}" type="slidenum">
-              <a:rPr lang="ru-UA" smtClean="0"/>
-              <a:t>‹№›</a:t>
+              <a:rPr lang="aa-ET" smtClean="0"/>
+              <a:t>‹#›</a:t>
             </a:fld>
-            <a:endParaRPr lang="ru-UA"/>
+            <a:endParaRPr lang="aa-ET"/>
           </a:p>
         </p:txBody>
       </p:sp>
@@ -2013,10 +2013,10 @@
           <a:lstStyle/>
           <a:p>
             <a:fld id="{3681DBAB-61DA-4AFB-8145-4D00CDB6DCA1}" type="datetimeFigureOut">
-              <a:rPr lang="ru-UA" smtClean="0"/>
-              <a:t>09.12.2022</a:t>
+              <a:rPr lang="aa-ET" smtClean="0"/>
+              <a:t>11/12/2022</a:t>
             </a:fld>
-            <a:endParaRPr lang="ru-UA"/>
+            <a:endParaRPr lang="aa-ET"/>
           </a:p>
         </p:txBody>
       </p:sp>
@@ -2035,7 +2035,7 @@
           <a:bodyPr/>
           <a:lstStyle/>
           <a:p>
-            <a:endParaRPr lang="ru-UA"/>
+            <a:endParaRPr lang="aa-ET"/>
           </a:p>
         </p:txBody>
       </p:sp>
@@ -2055,10 +2055,10 @@
           <a:lstStyle/>
           <a:p>
             <a:fld id="{0CE5E636-E17D-4387-88F3-383E9C1AF6B7}" type="slidenum">
-              <a:rPr lang="ru-UA" smtClean="0"/>
-              <a:t>‹№›</a:t>
+              <a:rPr lang="aa-ET" smtClean="0"/>
+              <a:t>‹#›</a:t>
             </a:fld>
-            <a:endParaRPr lang="ru-UA"/>
+            <a:endParaRPr lang="aa-ET"/>
           </a:p>
         </p:txBody>
       </p:sp>
@@ -2108,10 +2108,10 @@
           <a:lstStyle/>
           <a:p>
             <a:fld id="{3681DBAB-61DA-4AFB-8145-4D00CDB6DCA1}" type="datetimeFigureOut">
-              <a:rPr lang="ru-UA" smtClean="0"/>
-              <a:t>09.12.2022</a:t>
+              <a:rPr lang="aa-ET" smtClean="0"/>
+              <a:t>11/12/2022</a:t>
             </a:fld>
-            <a:endParaRPr lang="ru-UA"/>
+            <a:endParaRPr lang="aa-ET"/>
           </a:p>
         </p:txBody>
       </p:sp>
@@ -2130,7 +2130,7 @@
           <a:bodyPr/>
           <a:lstStyle/>
           <a:p>
-            <a:endParaRPr lang="ru-UA"/>
+            <a:endParaRPr lang="aa-ET"/>
           </a:p>
         </p:txBody>
       </p:sp>
@@ -2150,10 +2150,10 @@
           <a:lstStyle/>
           <a:p>
             <a:fld id="{0CE5E636-E17D-4387-88F3-383E9C1AF6B7}" type="slidenum">
-              <a:rPr lang="ru-UA" smtClean="0"/>
-              <a:t>‹№›</a:t>
+              <a:rPr lang="aa-ET" smtClean="0"/>
+              <a:t>‹#›</a:t>
             </a:fld>
-            <a:endParaRPr lang="ru-UA"/>
+            <a:endParaRPr lang="aa-ET"/>
           </a:p>
         </p:txBody>
       </p:sp>
@@ -2395,10 +2395,10 @@
           <a:lstStyle/>
           <a:p>
             <a:fld id="{3681DBAB-61DA-4AFB-8145-4D00CDB6DCA1}" type="datetimeFigureOut">
-              <a:rPr lang="ru-UA" smtClean="0"/>
-              <a:t>09.12.2022</a:t>
+              <a:rPr lang="aa-ET" smtClean="0"/>
+              <a:t>11/12/2022</a:t>
             </a:fld>
-            <a:endParaRPr lang="ru-UA"/>
+            <a:endParaRPr lang="aa-ET"/>
           </a:p>
         </p:txBody>
       </p:sp>
@@ -2417,7 +2417,7 @@
           <a:bodyPr/>
           <a:lstStyle/>
           <a:p>
-            <a:endParaRPr lang="ru-UA"/>
+            <a:endParaRPr lang="aa-ET"/>
           </a:p>
         </p:txBody>
       </p:sp>
@@ -2437,10 +2437,10 @@
           <a:lstStyle/>
           <a:p>
             <a:fld id="{0CE5E636-E17D-4387-88F3-383E9C1AF6B7}" type="slidenum">
-              <a:rPr lang="ru-UA" smtClean="0"/>
-              <a:t>‹№›</a:t>
+              <a:rPr lang="aa-ET" smtClean="0"/>
+              <a:t>‹#›</a:t>
             </a:fld>
-            <a:endParaRPr lang="ru-UA"/>
+            <a:endParaRPr lang="aa-ET"/>
           </a:p>
         </p:txBody>
       </p:sp>
@@ -2717,10 +2717,10 @@
           <a:lstStyle/>
           <a:p>
             <a:fld id="{3681DBAB-61DA-4AFB-8145-4D00CDB6DCA1}" type="datetimeFigureOut">
-              <a:rPr lang="ru-UA" smtClean="0"/>
-              <a:t>09.12.2022</a:t>
+              <a:rPr lang="aa-ET" smtClean="0"/>
+              <a:t>11/12/2022</a:t>
             </a:fld>
-            <a:endParaRPr lang="ru-UA"/>
+            <a:endParaRPr lang="aa-ET"/>
           </a:p>
         </p:txBody>
       </p:sp>
@@ -2739,7 +2739,7 @@
           <a:bodyPr/>
           <a:lstStyle/>
           <a:p>
-            <a:endParaRPr lang="ru-UA"/>
+            <a:endParaRPr lang="aa-ET"/>
           </a:p>
         </p:txBody>
       </p:sp>
@@ -2759,10 +2759,10 @@
           <a:lstStyle/>
           <a:p>
             <a:fld id="{0CE5E636-E17D-4387-88F3-383E9C1AF6B7}" type="slidenum">
-              <a:rPr lang="ru-UA" smtClean="0"/>
-              <a:t>‹№›</a:t>
+              <a:rPr lang="aa-ET" smtClean="0"/>
+              <a:t>‹#›</a:t>
             </a:fld>
-            <a:endParaRPr lang="ru-UA"/>
+            <a:endParaRPr lang="aa-ET"/>
           </a:p>
         </p:txBody>
       </p:sp>
@@ -2971,10 +2971,10 @@
           </a:lstStyle>
           <a:p>
             <a:fld id="{3681DBAB-61DA-4AFB-8145-4D00CDB6DCA1}" type="datetimeFigureOut">
-              <a:rPr lang="ru-UA" smtClean="0"/>
-              <a:t>09.12.2022</a:t>
+              <a:rPr lang="aa-ET" smtClean="0"/>
+              <a:t>11/12/2022</a:t>
             </a:fld>
-            <a:endParaRPr lang="ru-UA"/>
+            <a:endParaRPr lang="aa-ET"/>
           </a:p>
         </p:txBody>
       </p:sp>
@@ -3012,7 +3012,7 @@
             </a:lvl1pPr>
           </a:lstStyle>
           <a:p>
-            <a:endParaRPr lang="ru-UA"/>
+            <a:endParaRPr lang="aa-ET"/>
           </a:p>
         </p:txBody>
       </p:sp>
@@ -3053,10 +3053,10 @@
           </a:lstStyle>
           <a:p>
             <a:fld id="{0CE5E636-E17D-4387-88F3-383E9C1AF6B7}" type="slidenum">
-              <a:rPr lang="ru-UA" smtClean="0"/>
-              <a:t>‹№›</a:t>
+              <a:rPr lang="aa-ET" smtClean="0"/>
+              <a:t>‹#›</a:t>
             </a:fld>
-            <a:endParaRPr lang="ru-UA"/>
+            <a:endParaRPr lang="aa-ET"/>
           </a:p>
         </p:txBody>
       </p:sp>
@@ -3465,7 +3465,7 @@
           <p:cNvPr id="2" name="Заголовок 1">
             <a:extLst>
               <a:ext uri="{FF2B5EF4-FFF2-40B4-BE49-F238E27FC236}">
-                <a16:creationId xmlns:a16="http://schemas.microsoft.com/office/drawing/2014/main" id="{64C76C2F-B665-4EF3-87BB-8B6E334DCDE3}"/>
+                <a16:creationId xmlns:a16="http://schemas.microsoft.com/office/drawing/2014/main" xmlns="" id="{64C76C2F-B665-4EF3-87BB-8B6E334DCDE3}"/>
               </a:ext>
             </a:extLst>
           </p:cNvPr>
@@ -3512,7 +3512,7 @@
           <p:cNvPr id="3" name="Підзаголовок 2">
             <a:extLst>
               <a:ext uri="{FF2B5EF4-FFF2-40B4-BE49-F238E27FC236}">
-                <a16:creationId xmlns:a16="http://schemas.microsoft.com/office/drawing/2014/main" id="{72049F05-14A0-42DA-A869-49811A7DBDD2}"/>
+                <a16:creationId xmlns:a16="http://schemas.microsoft.com/office/drawing/2014/main" xmlns="" id="{72049F05-14A0-42DA-A869-49811A7DBDD2}"/>
               </a:ext>
             </a:extLst>
           </p:cNvPr>
@@ -3585,10 +3585,16 @@
               </a:spcAft>
             </a:pPr>
             <a:r>
+              <a:rPr lang="uk-UA" dirty="0" smtClean="0">
+                <a:latin typeface="Bahnschrift Light" panose="020B0502040204020203" pitchFamily="34" charset="0"/>
+              </a:rPr>
+              <a:t>Дар’я </a:t>
+            </a:r>
+            <a:r>
               <a:rPr lang="uk-UA" dirty="0">
                 <a:latin typeface="Bahnschrift Light" panose="020B0502040204020203" pitchFamily="34" charset="0"/>
               </a:rPr>
-              <a:t>Дарія Плющ</a:t>
+              <a:t>Плющ</a:t>
             </a:r>
           </a:p>
           <a:p>
@@ -3628,7 +3634,7 @@
               </a:rPr>
               <a:t>Андрій Ляшкевич</a:t>
             </a:r>
-            <a:endParaRPr lang="ru-UA" dirty="0">
+            <a:endParaRPr lang="aa-ET" dirty="0">
               <a:latin typeface="Bahnschrift Light" panose="020B0502040204020203" pitchFamily="34" charset="0"/>
             </a:endParaRPr>
           </a:p>
@@ -3644,6 +3650,13 @@
   <p:clrMapOvr>
     <a:masterClrMapping/>
   </p:clrMapOvr>
+  <p:timing>
+    <p:tnLst>
+      <p:par>
+        <p:cTn id="1" dur="indefinite" restart="never" nodeType="tmRoot"/>
+      </p:par>
+    </p:tnLst>
+  </p:timing>
 </p:sld>
 </file>
 
@@ -3669,7 +3682,7 @@
           <p:cNvPr id="2" name="Заголовок 1">
             <a:extLst>
               <a:ext uri="{FF2B5EF4-FFF2-40B4-BE49-F238E27FC236}">
-                <a16:creationId xmlns:a16="http://schemas.microsoft.com/office/drawing/2014/main" id="{5353AD6C-F262-4ED6-9457-F817B6516AE0}"/>
+                <a16:creationId xmlns:a16="http://schemas.microsoft.com/office/drawing/2014/main" xmlns="" id="{5353AD6C-F262-4ED6-9457-F817B6516AE0}"/>
               </a:ext>
             </a:extLst>
           </p:cNvPr>
@@ -3697,7 +3710,7 @@
               </a:rPr>
               <a:t>фрод</a:t>
             </a:r>
-            <a:endParaRPr lang="ru-UA" dirty="0">
+            <a:endParaRPr lang="aa-ET" dirty="0">
               <a:latin typeface="Bahnschrift" panose="020B0502040204020203" pitchFamily="34" charset="0"/>
             </a:endParaRPr>
           </a:p>
@@ -3708,7 +3721,7 @@
           <p:cNvPr id="3" name="Місце для вмісту 2">
             <a:extLst>
               <a:ext uri="{FF2B5EF4-FFF2-40B4-BE49-F238E27FC236}">
-                <a16:creationId xmlns:a16="http://schemas.microsoft.com/office/drawing/2014/main" id="{61350C01-FEBF-45F8-A6AA-444A8DD31F25}"/>
+                <a16:creationId xmlns:a16="http://schemas.microsoft.com/office/drawing/2014/main" xmlns="" id="{61350C01-FEBF-45F8-A6AA-444A8DD31F25}"/>
               </a:ext>
             </a:extLst>
           </p:cNvPr>
@@ -3788,7 +3801,7 @@
               </a:rPr>
               <a:t> — розсилка СМС з посиланнями на вірусні сайти, що крадуть гроші з особистого рахунку. Приводом для переходу на невідомий сайт може послужити, наприклад, повідомлення про виграш у лотереї.</a:t>
             </a:r>
-            <a:endParaRPr lang="ru-UA" sz="2000" dirty="0">
+            <a:endParaRPr lang="aa-ET" sz="2000" dirty="0">
               <a:latin typeface="Bahnschrift Light" panose="020B0502040204020203" pitchFamily="34" charset="0"/>
             </a:endParaRPr>
           </a:p>
@@ -3804,6 +3817,13 @@
   <p:clrMapOvr>
     <a:masterClrMapping/>
   </p:clrMapOvr>
+  <p:timing>
+    <p:tnLst>
+      <p:par>
+        <p:cTn id="1" dur="indefinite" restart="never" nodeType="tmRoot"/>
+      </p:par>
+    </p:tnLst>
+  </p:timing>
 </p:sld>
 </file>
 
@@ -3829,7 +3849,7 @@
           <p:cNvPr id="2" name="Заголовок 1">
             <a:extLst>
               <a:ext uri="{FF2B5EF4-FFF2-40B4-BE49-F238E27FC236}">
-                <a16:creationId xmlns:a16="http://schemas.microsoft.com/office/drawing/2014/main" id="{5353AD6C-F262-4ED6-9457-F817B6516AE0}"/>
+                <a16:creationId xmlns:a16="http://schemas.microsoft.com/office/drawing/2014/main" xmlns="" id="{5353AD6C-F262-4ED6-9457-F817B6516AE0}"/>
               </a:ext>
             </a:extLst>
           </p:cNvPr>
@@ -3853,7 +3873,7 @@
               </a:rPr>
               <a:t>Постановка задачі</a:t>
             </a:r>
-            <a:endParaRPr lang="ru-UA" sz="4800" dirty="0">
+            <a:endParaRPr lang="aa-ET" sz="4800" dirty="0">
               <a:latin typeface="Bahnschrift" panose="020B0502040204020203" pitchFamily="34" charset="0"/>
             </a:endParaRPr>
           </a:p>
@@ -3864,7 +3884,7 @@
           <p:cNvPr id="3" name="Місце для вмісту 2">
             <a:extLst>
               <a:ext uri="{FF2B5EF4-FFF2-40B4-BE49-F238E27FC236}">
-                <a16:creationId xmlns:a16="http://schemas.microsoft.com/office/drawing/2014/main" id="{61350C01-FEBF-45F8-A6AA-444A8DD31F25}"/>
+                <a16:creationId xmlns:a16="http://schemas.microsoft.com/office/drawing/2014/main" xmlns="" id="{61350C01-FEBF-45F8-A6AA-444A8DD31F25}"/>
               </a:ext>
             </a:extLst>
           </p:cNvPr>
@@ -3958,7 +3978,7 @@
               </a:rPr>
               <a:t>дашборду</a:t>
             </a:r>
-            <a:endParaRPr lang="ru-UA" sz="2400" dirty="0">
+            <a:endParaRPr lang="aa-ET" sz="2400" dirty="0">
               <a:latin typeface="Bahnschrift Light" panose="020B0502040204020203" pitchFamily="34" charset="0"/>
             </a:endParaRPr>
           </a:p>
@@ -3974,6 +3994,13 @@
   <p:clrMapOvr>
     <a:masterClrMapping/>
   </p:clrMapOvr>
+  <p:timing>
+    <p:tnLst>
+      <p:par>
+        <p:cTn id="1" dur="indefinite" restart="never" nodeType="tmRoot"/>
+      </p:par>
+    </p:tnLst>
+  </p:timing>
 </p:sld>
 </file>
 
@@ -3999,7 +4026,7 @@
           <p:cNvPr id="2" name="Заголовок 1">
             <a:extLst>
               <a:ext uri="{FF2B5EF4-FFF2-40B4-BE49-F238E27FC236}">
-                <a16:creationId xmlns:a16="http://schemas.microsoft.com/office/drawing/2014/main" id="{5353AD6C-F262-4ED6-9457-F817B6516AE0}"/>
+                <a16:creationId xmlns:a16="http://schemas.microsoft.com/office/drawing/2014/main" xmlns="" id="{5353AD6C-F262-4ED6-9457-F817B6516AE0}"/>
               </a:ext>
             </a:extLst>
           </p:cNvPr>
@@ -4021,7 +4048,7 @@
               </a:rPr>
               <a:t>Вибрані технології та сервіси</a:t>
             </a:r>
-            <a:endParaRPr lang="ru-UA" dirty="0">
+            <a:endParaRPr lang="aa-ET" dirty="0">
               <a:latin typeface="Bahnschrift" panose="020B0502040204020203" pitchFamily="34" charset="0"/>
             </a:endParaRPr>
           </a:p>
@@ -4032,7 +4059,7 @@
           <p:cNvPr id="3" name="Місце для вмісту 2">
             <a:extLst>
               <a:ext uri="{FF2B5EF4-FFF2-40B4-BE49-F238E27FC236}">
-                <a16:creationId xmlns:a16="http://schemas.microsoft.com/office/drawing/2014/main" id="{61350C01-FEBF-45F8-A6AA-444A8DD31F25}"/>
+                <a16:creationId xmlns:a16="http://schemas.microsoft.com/office/drawing/2014/main" xmlns="" id="{61350C01-FEBF-45F8-A6AA-444A8DD31F25}"/>
               </a:ext>
             </a:extLst>
           </p:cNvPr>
@@ -4131,7 +4158,7 @@
               </a:rPr>
               <a:t>Tableau</a:t>
             </a:r>
-            <a:endParaRPr lang="ru-UA" sz="2400" dirty="0">
+            <a:endParaRPr lang="aa-ET" sz="2400" dirty="0">
               <a:solidFill>
                 <a:srgbClr val="FF0000"/>
               </a:solidFill>
@@ -4150,6 +4177,13 @@
   <p:clrMapOvr>
     <a:masterClrMapping/>
   </p:clrMapOvr>
+  <p:timing>
+    <p:tnLst>
+      <p:par>
+        <p:cTn id="1" dur="indefinite" restart="never" nodeType="tmRoot"/>
+      </p:par>
+    </p:tnLst>
+  </p:timing>
 </p:sld>
 </file>
 
@@ -4175,7 +4209,7 @@
           <p:cNvPr id="2" name="Заголовок 1">
             <a:extLst>
               <a:ext uri="{FF2B5EF4-FFF2-40B4-BE49-F238E27FC236}">
-                <a16:creationId xmlns:a16="http://schemas.microsoft.com/office/drawing/2014/main" id="{5353AD6C-F262-4ED6-9457-F817B6516AE0}"/>
+                <a16:creationId xmlns:a16="http://schemas.microsoft.com/office/drawing/2014/main" xmlns="" id="{5353AD6C-F262-4ED6-9457-F817B6516AE0}"/>
               </a:ext>
             </a:extLst>
           </p:cNvPr>
@@ -4214,7 +4248,7 @@
               </a:rPr>
               <a:t> даних</a:t>
             </a:r>
-            <a:endParaRPr lang="ru-UA" dirty="0">
+            <a:endParaRPr lang="aa-ET" dirty="0">
               <a:latin typeface="Bahnschrift" panose="020B0502040204020203" pitchFamily="34" charset="0"/>
             </a:endParaRPr>
           </a:p>
@@ -4225,7 +4259,7 @@
           <p:cNvPr id="3" name="Місце для вмісту 2">
             <a:extLst>
               <a:ext uri="{FF2B5EF4-FFF2-40B4-BE49-F238E27FC236}">
-                <a16:creationId xmlns:a16="http://schemas.microsoft.com/office/drawing/2014/main" id="{61350C01-FEBF-45F8-A6AA-444A8DD31F25}"/>
+                <a16:creationId xmlns:a16="http://schemas.microsoft.com/office/drawing/2014/main" xmlns="" id="{61350C01-FEBF-45F8-A6AA-444A8DD31F25}"/>
               </a:ext>
             </a:extLst>
           </p:cNvPr>
@@ -4273,7 +4307,7 @@
               </a:rPr>
               <a:t> у вигляді веб-сторінки наступного вигляду:</a:t>
             </a:r>
-            <a:endParaRPr lang="ru-UA" dirty="0">
+            <a:endParaRPr lang="aa-ET" dirty="0">
               <a:latin typeface="Bahnschrift Light" panose="020B0502040204020203" pitchFamily="34" charset="0"/>
             </a:endParaRPr>
           </a:p>
@@ -4284,7 +4318,7 @@
           <p:cNvPr id="7" name="Рисунок 6">
             <a:extLst>
               <a:ext uri="{FF2B5EF4-FFF2-40B4-BE49-F238E27FC236}">
-                <a16:creationId xmlns:a16="http://schemas.microsoft.com/office/drawing/2014/main" id="{FD751F3A-62EC-4FF7-929E-8E21179CEC53}"/>
+                <a16:creationId xmlns:a16="http://schemas.microsoft.com/office/drawing/2014/main" xmlns="" id="{FD751F3A-62EC-4FF7-929E-8E21179CEC53}"/>
               </a:ext>
             </a:extLst>
           </p:cNvPr>
@@ -4313,7 +4347,7 @@
           <p:cNvPr id="8" name="Місце для вмісту 2">
             <a:extLst>
               <a:ext uri="{FF2B5EF4-FFF2-40B4-BE49-F238E27FC236}">
-                <a16:creationId xmlns:a16="http://schemas.microsoft.com/office/drawing/2014/main" id="{DE757B34-34AB-44D7-971E-81DBEA411BC2}"/>
+                <a16:creationId xmlns:a16="http://schemas.microsoft.com/office/drawing/2014/main" xmlns="" id="{DE757B34-34AB-44D7-971E-81DBEA411BC2}"/>
               </a:ext>
             </a:extLst>
           </p:cNvPr>
@@ -4665,6 +4699,13 @@
   <p:clrMapOvr>
     <a:masterClrMapping/>
   </p:clrMapOvr>
+  <p:timing>
+    <p:tnLst>
+      <p:par>
+        <p:cTn id="1" dur="indefinite" restart="never" nodeType="tmRoot"/>
+      </p:par>
+    </p:tnLst>
+  </p:timing>
 </p:sld>
 </file>
 
@@ -4690,7 +4731,7 @@
           <p:cNvPr id="2" name="Заголовок 1">
             <a:extLst>
               <a:ext uri="{FF2B5EF4-FFF2-40B4-BE49-F238E27FC236}">
-                <a16:creationId xmlns:a16="http://schemas.microsoft.com/office/drawing/2014/main" id="{5353AD6C-F262-4ED6-9457-F817B6516AE0}"/>
+                <a16:creationId xmlns:a16="http://schemas.microsoft.com/office/drawing/2014/main" xmlns="" id="{5353AD6C-F262-4ED6-9457-F817B6516AE0}"/>
               </a:ext>
             </a:extLst>
           </p:cNvPr>
@@ -4712,7 +4753,7 @@
               </a:rPr>
               <a:t>База даних</a:t>
             </a:r>
-            <a:endParaRPr lang="ru-UA" dirty="0">
+            <a:endParaRPr lang="aa-ET" dirty="0">
               <a:latin typeface="Bahnschrift" panose="020B0502040204020203" pitchFamily="34" charset="0"/>
             </a:endParaRPr>
           </a:p>
@@ -4723,7 +4764,7 @@
           <p:cNvPr id="3" name="Місце для вмісту 2">
             <a:extLst>
               <a:ext uri="{FF2B5EF4-FFF2-40B4-BE49-F238E27FC236}">
-                <a16:creationId xmlns:a16="http://schemas.microsoft.com/office/drawing/2014/main" id="{61350C01-FEBF-45F8-A6AA-444A8DD31F25}"/>
+                <a16:creationId xmlns:a16="http://schemas.microsoft.com/office/drawing/2014/main" xmlns="" id="{61350C01-FEBF-45F8-A6AA-444A8DD31F25}"/>
               </a:ext>
             </a:extLst>
           </p:cNvPr>
@@ -4762,7 +4803,7 @@
               </a:rPr>
               <a:t>створено базу із трьома таблицями для збереження наступної інформації:</a:t>
             </a:r>
-            <a:endParaRPr lang="ru-UA" sz="2000" dirty="0">
+            <a:endParaRPr lang="aa-ET" sz="2000" dirty="0">
               <a:latin typeface="Bahnschrift Light" panose="020B0502040204020203" pitchFamily="34" charset="0"/>
             </a:endParaRPr>
           </a:p>
@@ -4773,7 +4814,7 @@
           <p:cNvPr id="5" name="Таблиця 4">
             <a:extLst>
               <a:ext uri="{FF2B5EF4-FFF2-40B4-BE49-F238E27FC236}">
-                <a16:creationId xmlns:a16="http://schemas.microsoft.com/office/drawing/2014/main" id="{C9E4F756-CE34-4084-8223-A7D137ABF399}"/>
+                <a16:creationId xmlns:a16="http://schemas.microsoft.com/office/drawing/2014/main" xmlns="" id="{C9E4F756-CE34-4084-8223-A7D137ABF399}"/>
               </a:ext>
             </a:extLst>
           </p:cNvPr>
@@ -4802,7 +4843,7 @@
                 <a:gridCol w="3048000">
                   <a:extLst>
                     <a:ext uri="{9D8B030D-6E8A-4147-A177-3AD203B41FA5}">
-                      <a16:colId xmlns:a16="http://schemas.microsoft.com/office/drawing/2014/main" val="3458648557"/>
+                      <a16:colId xmlns:a16="http://schemas.microsoft.com/office/drawing/2014/main" xmlns="" val="3458648557"/>
                     </a:ext>
                   </a:extLst>
                 </a:gridCol>
@@ -4819,7 +4860,7 @@
                         </a:rPr>
                         <a:t>Заблоковані запити</a:t>
                       </a:r>
-                      <a:endParaRPr lang="ru-UA" dirty="0">
+                      <a:endParaRPr lang="aa-ET" dirty="0">
                         <a:latin typeface="Bahnschrift" panose="020B0502040204020203" pitchFamily="34" charset="0"/>
                       </a:endParaRPr>
                     </a:p>
@@ -4828,7 +4869,7 @@
                 </a:tc>
                 <a:extLst>
                   <a:ext uri="{0D108BD9-81ED-4DB2-BD59-A6C34878D82A}">
-                    <a16:rowId xmlns:a16="http://schemas.microsoft.com/office/drawing/2014/main" val="3629887129"/>
+                    <a16:rowId xmlns:a16="http://schemas.microsoft.com/office/drawing/2014/main" xmlns="" val="3629887129"/>
                   </a:ext>
                 </a:extLst>
               </a:tr>
@@ -4850,7 +4891,7 @@
                 </a:tc>
                 <a:extLst>
                   <a:ext uri="{0D108BD9-81ED-4DB2-BD59-A6C34878D82A}">
-                    <a16:rowId xmlns:a16="http://schemas.microsoft.com/office/drawing/2014/main" val="1036767392"/>
+                    <a16:rowId xmlns:a16="http://schemas.microsoft.com/office/drawing/2014/main" xmlns="" val="1036767392"/>
                   </a:ext>
                 </a:extLst>
               </a:tr>
@@ -4866,7 +4907,7 @@
                         </a:rPr>
                         <a:t>номер отримувача</a:t>
                       </a:r>
-                      <a:endParaRPr lang="ru-UA" dirty="0">
+                      <a:endParaRPr lang="aa-ET" dirty="0">
                         <a:latin typeface="Bahnschrift Light" panose="020B0502040204020203" pitchFamily="34" charset="0"/>
                       </a:endParaRPr>
                     </a:p>
@@ -4875,7 +4916,7 @@
                 </a:tc>
                 <a:extLst>
                   <a:ext uri="{0D108BD9-81ED-4DB2-BD59-A6C34878D82A}">
-                    <a16:rowId xmlns:a16="http://schemas.microsoft.com/office/drawing/2014/main" val="3354176924"/>
+                    <a16:rowId xmlns:a16="http://schemas.microsoft.com/office/drawing/2014/main" xmlns="" val="3354176924"/>
                   </a:ext>
                 </a:extLst>
               </a:tr>
@@ -4891,7 +4932,7 @@
                         </a:rPr>
                         <a:t>тариф запитувача</a:t>
                       </a:r>
-                      <a:endParaRPr lang="ru-UA" dirty="0">
+                      <a:endParaRPr lang="aa-ET" dirty="0">
                         <a:latin typeface="Bahnschrift Light" panose="020B0502040204020203" pitchFamily="34" charset="0"/>
                       </a:endParaRPr>
                     </a:p>
@@ -4900,7 +4941,7 @@
                 </a:tc>
                 <a:extLst>
                   <a:ext uri="{0D108BD9-81ED-4DB2-BD59-A6C34878D82A}">
-                    <a16:rowId xmlns:a16="http://schemas.microsoft.com/office/drawing/2014/main" val="4058095708"/>
+                    <a16:rowId xmlns:a16="http://schemas.microsoft.com/office/drawing/2014/main" xmlns="" val="4058095708"/>
                   </a:ext>
                 </a:extLst>
               </a:tr>
@@ -4916,7 +4957,7 @@
                         </a:rPr>
                         <a:t>тип запиту</a:t>
                       </a:r>
-                      <a:endParaRPr lang="ru-UA" dirty="0">
+                      <a:endParaRPr lang="aa-ET" dirty="0">
                         <a:latin typeface="Bahnschrift Light" panose="020B0502040204020203" pitchFamily="34" charset="0"/>
                       </a:endParaRPr>
                     </a:p>
@@ -4925,7 +4966,7 @@
                 </a:tc>
                 <a:extLst>
                   <a:ext uri="{0D108BD9-81ED-4DB2-BD59-A6C34878D82A}">
-                    <a16:rowId xmlns:a16="http://schemas.microsoft.com/office/drawing/2014/main" val="2249634614"/>
+                    <a16:rowId xmlns:a16="http://schemas.microsoft.com/office/drawing/2014/main" xmlns="" val="2249634614"/>
                   </a:ext>
                 </a:extLst>
               </a:tr>
@@ -4941,7 +4982,7 @@
                         </a:rPr>
                         <a:t>час і дата запиту</a:t>
                       </a:r>
-                      <a:endParaRPr lang="ru-UA" dirty="0">
+                      <a:endParaRPr lang="aa-ET" dirty="0">
                         <a:latin typeface="Bahnschrift Light" panose="020B0502040204020203" pitchFamily="34" charset="0"/>
                       </a:endParaRPr>
                     </a:p>
@@ -4950,7 +4991,7 @@
                 </a:tc>
                 <a:extLst>
                   <a:ext uri="{0D108BD9-81ED-4DB2-BD59-A6C34878D82A}">
-                    <a16:rowId xmlns:a16="http://schemas.microsoft.com/office/drawing/2014/main" val="3618631312"/>
+                    <a16:rowId xmlns:a16="http://schemas.microsoft.com/office/drawing/2014/main" xmlns="" val="3618631312"/>
                   </a:ext>
                 </a:extLst>
               </a:tr>
@@ -4963,7 +5004,7 @@
           <p:cNvPr id="6" name="Таблиця 4">
             <a:extLst>
               <a:ext uri="{FF2B5EF4-FFF2-40B4-BE49-F238E27FC236}">
-                <a16:creationId xmlns:a16="http://schemas.microsoft.com/office/drawing/2014/main" id="{E3A7AE2A-FF15-48FA-A103-663C34246F80}"/>
+                <a16:creationId xmlns:a16="http://schemas.microsoft.com/office/drawing/2014/main" xmlns="" id="{E3A7AE2A-FF15-48FA-A103-663C34246F80}"/>
               </a:ext>
             </a:extLst>
           </p:cNvPr>
@@ -4992,7 +5033,7 @@
                 <a:gridCol w="3048000">
                   <a:extLst>
                     <a:ext uri="{9D8B030D-6E8A-4147-A177-3AD203B41FA5}">
-                      <a16:colId xmlns:a16="http://schemas.microsoft.com/office/drawing/2014/main" val="3458648557"/>
+                      <a16:colId xmlns:a16="http://schemas.microsoft.com/office/drawing/2014/main" xmlns="" val="3458648557"/>
                     </a:ext>
                   </a:extLst>
                 </a:gridCol>
@@ -5009,7 +5050,7 @@
                         </a:rPr>
                         <a:t>Заблоковані абоненти</a:t>
                       </a:r>
-                      <a:endParaRPr lang="ru-UA" dirty="0">
+                      <a:endParaRPr lang="aa-ET" dirty="0">
                         <a:latin typeface="Bahnschrift" panose="020B0502040204020203" pitchFamily="34" charset="0"/>
                       </a:endParaRPr>
                     </a:p>
@@ -5018,7 +5059,7 @@
                 </a:tc>
                 <a:extLst>
                   <a:ext uri="{0D108BD9-81ED-4DB2-BD59-A6C34878D82A}">
-                    <a16:rowId xmlns:a16="http://schemas.microsoft.com/office/drawing/2014/main" val="3629887129"/>
+                    <a16:rowId xmlns:a16="http://schemas.microsoft.com/office/drawing/2014/main" xmlns="" val="3629887129"/>
                   </a:ext>
                 </a:extLst>
               </a:tr>
@@ -5040,7 +5081,7 @@
                 </a:tc>
                 <a:extLst>
                   <a:ext uri="{0D108BD9-81ED-4DB2-BD59-A6C34878D82A}">
-                    <a16:rowId xmlns:a16="http://schemas.microsoft.com/office/drawing/2014/main" val="1036767392"/>
+                    <a16:rowId xmlns:a16="http://schemas.microsoft.com/office/drawing/2014/main" xmlns="" val="1036767392"/>
                   </a:ext>
                 </a:extLst>
               </a:tr>
@@ -5056,7 +5097,7 @@
                         </a:rPr>
                         <a:t>Тариф абонента</a:t>
                       </a:r>
-                      <a:endParaRPr lang="ru-UA" dirty="0">
+                      <a:endParaRPr lang="aa-ET" dirty="0">
                         <a:latin typeface="Bahnschrift Light" panose="020B0502040204020203" pitchFamily="34" charset="0"/>
                       </a:endParaRPr>
                     </a:p>
@@ -5065,7 +5106,7 @@
                 </a:tc>
                 <a:extLst>
                   <a:ext uri="{0D108BD9-81ED-4DB2-BD59-A6C34878D82A}">
-                    <a16:rowId xmlns:a16="http://schemas.microsoft.com/office/drawing/2014/main" val="4058095708"/>
+                    <a16:rowId xmlns:a16="http://schemas.microsoft.com/office/drawing/2014/main" xmlns="" val="4058095708"/>
                   </a:ext>
                 </a:extLst>
               </a:tr>
@@ -5081,7 +5122,7 @@
                         </a:rPr>
                         <a:t>тип заблокованого запиту</a:t>
                       </a:r>
-                      <a:endParaRPr lang="ru-UA" dirty="0">
+                      <a:endParaRPr lang="aa-ET" dirty="0">
                         <a:latin typeface="Bahnschrift Light" panose="020B0502040204020203" pitchFamily="34" charset="0"/>
                       </a:endParaRPr>
                     </a:p>
@@ -5090,7 +5131,7 @@
                 </a:tc>
                 <a:extLst>
                   <a:ext uri="{0D108BD9-81ED-4DB2-BD59-A6C34878D82A}">
-                    <a16:rowId xmlns:a16="http://schemas.microsoft.com/office/drawing/2014/main" val="2249634614"/>
+                    <a16:rowId xmlns:a16="http://schemas.microsoft.com/office/drawing/2014/main" xmlns="" val="2249634614"/>
                   </a:ext>
                 </a:extLst>
               </a:tr>
@@ -5106,7 +5147,7 @@
                         </a:rPr>
                         <a:t>час і дата блокування</a:t>
                       </a:r>
-                      <a:endParaRPr lang="ru-UA" dirty="0">
+                      <a:endParaRPr lang="aa-ET" dirty="0">
                         <a:latin typeface="Bahnschrift Light" panose="020B0502040204020203" pitchFamily="34" charset="0"/>
                       </a:endParaRPr>
                     </a:p>
@@ -5115,7 +5156,7 @@
                 </a:tc>
                 <a:extLst>
                   <a:ext uri="{0D108BD9-81ED-4DB2-BD59-A6C34878D82A}">
-                    <a16:rowId xmlns:a16="http://schemas.microsoft.com/office/drawing/2014/main" val="3618631312"/>
+                    <a16:rowId xmlns:a16="http://schemas.microsoft.com/office/drawing/2014/main" xmlns="" val="3618631312"/>
                   </a:ext>
                 </a:extLst>
               </a:tr>
@@ -5128,7 +5169,7 @@
           <p:cNvPr id="7" name="Таблиця 6">
             <a:extLst>
               <a:ext uri="{FF2B5EF4-FFF2-40B4-BE49-F238E27FC236}">
-                <a16:creationId xmlns:a16="http://schemas.microsoft.com/office/drawing/2014/main" id="{4CA3D1F4-3702-4A4E-BC7E-8A2E81959028}"/>
+                <a16:creationId xmlns:a16="http://schemas.microsoft.com/office/drawing/2014/main" xmlns="" id="{4CA3D1F4-3702-4A4E-BC7E-8A2E81959028}"/>
               </a:ext>
             </a:extLst>
           </p:cNvPr>
@@ -5157,7 +5198,7 @@
                 <a:gridCol w="3048000">
                   <a:extLst>
                     <a:ext uri="{9D8B030D-6E8A-4147-A177-3AD203B41FA5}">
-                      <a16:colId xmlns:a16="http://schemas.microsoft.com/office/drawing/2014/main" val="3458648557"/>
+                      <a16:colId xmlns:a16="http://schemas.microsoft.com/office/drawing/2014/main" xmlns="" val="3458648557"/>
                     </a:ext>
                   </a:extLst>
                 </a:gridCol>
@@ -5174,7 +5215,7 @@
                         </a:rPr>
                         <a:t>Всі запити</a:t>
                       </a:r>
-                      <a:endParaRPr lang="ru-UA" dirty="0">
+                      <a:endParaRPr lang="aa-ET" dirty="0">
                         <a:latin typeface="Bahnschrift" panose="020B0502040204020203" pitchFamily="34" charset="0"/>
                       </a:endParaRPr>
                     </a:p>
@@ -5183,7 +5224,7 @@
                 </a:tc>
                 <a:extLst>
                   <a:ext uri="{0D108BD9-81ED-4DB2-BD59-A6C34878D82A}">
-                    <a16:rowId xmlns:a16="http://schemas.microsoft.com/office/drawing/2014/main" val="3629887129"/>
+                    <a16:rowId xmlns:a16="http://schemas.microsoft.com/office/drawing/2014/main" xmlns="" val="3629887129"/>
                   </a:ext>
                 </a:extLst>
               </a:tr>
@@ -5205,7 +5246,7 @@
                 </a:tc>
                 <a:extLst>
                   <a:ext uri="{0D108BD9-81ED-4DB2-BD59-A6C34878D82A}">
-                    <a16:rowId xmlns:a16="http://schemas.microsoft.com/office/drawing/2014/main" val="1036767392"/>
+                    <a16:rowId xmlns:a16="http://schemas.microsoft.com/office/drawing/2014/main" xmlns="" val="1036767392"/>
                   </a:ext>
                 </a:extLst>
               </a:tr>
@@ -5221,7 +5262,7 @@
                         </a:rPr>
                         <a:t>номер отримувача</a:t>
                       </a:r>
-                      <a:endParaRPr lang="ru-UA" dirty="0">
+                      <a:endParaRPr lang="aa-ET" dirty="0">
                         <a:latin typeface="Bahnschrift Light" panose="020B0502040204020203" pitchFamily="34" charset="0"/>
                       </a:endParaRPr>
                     </a:p>
@@ -5230,7 +5271,7 @@
                 </a:tc>
                 <a:extLst>
                   <a:ext uri="{0D108BD9-81ED-4DB2-BD59-A6C34878D82A}">
-                    <a16:rowId xmlns:a16="http://schemas.microsoft.com/office/drawing/2014/main" val="3354176924"/>
+                    <a16:rowId xmlns:a16="http://schemas.microsoft.com/office/drawing/2014/main" xmlns="" val="3354176924"/>
                   </a:ext>
                 </a:extLst>
               </a:tr>
@@ -5246,7 +5287,7 @@
                         </a:rPr>
                         <a:t>тариф запитувача</a:t>
                       </a:r>
-                      <a:endParaRPr lang="ru-UA" dirty="0">
+                      <a:endParaRPr lang="aa-ET" dirty="0">
                         <a:latin typeface="Bahnschrift Light" panose="020B0502040204020203" pitchFamily="34" charset="0"/>
                       </a:endParaRPr>
                     </a:p>
@@ -5255,7 +5296,7 @@
                 </a:tc>
                 <a:extLst>
                   <a:ext uri="{0D108BD9-81ED-4DB2-BD59-A6C34878D82A}">
-                    <a16:rowId xmlns:a16="http://schemas.microsoft.com/office/drawing/2014/main" val="4058095708"/>
+                    <a16:rowId xmlns:a16="http://schemas.microsoft.com/office/drawing/2014/main" xmlns="" val="4058095708"/>
                   </a:ext>
                 </a:extLst>
               </a:tr>
@@ -5271,7 +5312,7 @@
                         </a:rPr>
                         <a:t>тип запиту</a:t>
                       </a:r>
-                      <a:endParaRPr lang="ru-UA" dirty="0">
+                      <a:endParaRPr lang="aa-ET" dirty="0">
                         <a:latin typeface="Bahnschrift Light" panose="020B0502040204020203" pitchFamily="34" charset="0"/>
                       </a:endParaRPr>
                     </a:p>
@@ -5280,7 +5321,7 @@
                 </a:tc>
                 <a:extLst>
                   <a:ext uri="{0D108BD9-81ED-4DB2-BD59-A6C34878D82A}">
-                    <a16:rowId xmlns:a16="http://schemas.microsoft.com/office/drawing/2014/main" val="2249634614"/>
+                    <a16:rowId xmlns:a16="http://schemas.microsoft.com/office/drawing/2014/main" xmlns="" val="2249634614"/>
                   </a:ext>
                 </a:extLst>
               </a:tr>
@@ -5296,7 +5337,7 @@
                         </a:rPr>
                         <a:t>час і дата запиту</a:t>
                       </a:r>
-                      <a:endParaRPr lang="ru-UA" dirty="0">
+                      <a:endParaRPr lang="aa-ET" dirty="0">
                         <a:latin typeface="Bahnschrift Light" panose="020B0502040204020203" pitchFamily="34" charset="0"/>
                       </a:endParaRPr>
                     </a:p>
@@ -5305,7 +5346,7 @@
                 </a:tc>
                 <a:extLst>
                   <a:ext uri="{0D108BD9-81ED-4DB2-BD59-A6C34878D82A}">
-                    <a16:rowId xmlns:a16="http://schemas.microsoft.com/office/drawing/2014/main" val="3618631312"/>
+                    <a16:rowId xmlns:a16="http://schemas.microsoft.com/office/drawing/2014/main" xmlns="" val="3618631312"/>
                   </a:ext>
                 </a:extLst>
               </a:tr>
@@ -5323,6 +5364,13 @@
   <p:clrMapOvr>
     <a:masterClrMapping/>
   </p:clrMapOvr>
+  <p:timing>
+    <p:tnLst>
+      <p:par>
+        <p:cTn id="1" dur="indefinite" restart="never" nodeType="tmRoot"/>
+      </p:par>
+    </p:tnLst>
+  </p:timing>
 </p:sld>
 </file>
 
@@ -5348,7 +5396,7 @@
           <p:cNvPr id="2" name="Заголовок 1">
             <a:extLst>
               <a:ext uri="{FF2B5EF4-FFF2-40B4-BE49-F238E27FC236}">
-                <a16:creationId xmlns:a16="http://schemas.microsoft.com/office/drawing/2014/main" id="{5353AD6C-F262-4ED6-9457-F817B6516AE0}"/>
+                <a16:creationId xmlns:a16="http://schemas.microsoft.com/office/drawing/2014/main" xmlns="" id="{5353AD6C-F262-4ED6-9457-F817B6516AE0}"/>
               </a:ext>
             </a:extLst>
           </p:cNvPr>
@@ -5383,7 +5431,7 @@
               </a:rPr>
               <a:t> та обробка даних</a:t>
             </a:r>
-            <a:endParaRPr lang="ru-UA" dirty="0">
+            <a:endParaRPr lang="aa-ET" dirty="0">
               <a:latin typeface="Bahnschrift" panose="020B0502040204020203" pitchFamily="34" charset="0"/>
             </a:endParaRPr>
           </a:p>
@@ -5394,7 +5442,7 @@
           <p:cNvPr id="3" name="Місце для вмісту 2">
             <a:extLst>
               <a:ext uri="{FF2B5EF4-FFF2-40B4-BE49-F238E27FC236}">
-                <a16:creationId xmlns:a16="http://schemas.microsoft.com/office/drawing/2014/main" id="{61350C01-FEBF-45F8-A6AA-444A8DD31F25}"/>
+                <a16:creationId xmlns:a16="http://schemas.microsoft.com/office/drawing/2014/main" xmlns="" id="{61350C01-FEBF-45F8-A6AA-444A8DD31F25}"/>
               </a:ext>
             </a:extLst>
           </p:cNvPr>
@@ -5500,7 +5548,7 @@
               </a:rPr>
               <a:t>Якщо запит задовольняє умови підозрілості, то він записується в таблицю заблокованих запитів, а дані абонента що здійснив цей запит записуються в таблицю заблокованих абонентів.</a:t>
             </a:r>
-            <a:endParaRPr lang="ru-UA" sz="2400" dirty="0">
+            <a:endParaRPr lang="aa-ET" sz="2400" dirty="0">
               <a:latin typeface="Bahnschrift Light" panose="020B0502040204020203" pitchFamily="34" charset="0"/>
             </a:endParaRPr>
           </a:p>
@@ -5511,7 +5559,7 @@
           <p:cNvPr id="4" name="Прямокутник 3">
             <a:extLst>
               <a:ext uri="{FF2B5EF4-FFF2-40B4-BE49-F238E27FC236}">
-                <a16:creationId xmlns:a16="http://schemas.microsoft.com/office/drawing/2014/main" id="{B40BA36F-DACC-4015-9320-89EA67913A0D}"/>
+                <a16:creationId xmlns:a16="http://schemas.microsoft.com/office/drawing/2014/main" xmlns="" id="{B40BA36F-DACC-4015-9320-89EA67913A0D}"/>
               </a:ext>
             </a:extLst>
           </p:cNvPr>
@@ -5554,7 +5602,7 @@
               </a:rPr>
               <a:t>ПОТІК</a:t>
             </a:r>
-            <a:endParaRPr lang="ru-UA" dirty="0">
+            <a:endParaRPr lang="aa-ET" dirty="0">
               <a:latin typeface="Bahnschrift" panose="020B0502040204020203" pitchFamily="34" charset="0"/>
             </a:endParaRPr>
           </a:p>
@@ -5565,7 +5613,7 @@
           <p:cNvPr id="5" name="Прямокутник: округлені кути 4">
             <a:extLst>
               <a:ext uri="{FF2B5EF4-FFF2-40B4-BE49-F238E27FC236}">
-                <a16:creationId xmlns:a16="http://schemas.microsoft.com/office/drawing/2014/main" id="{008F3142-3CBB-4E72-8CDD-264103D3DBC4}"/>
+                <a16:creationId xmlns:a16="http://schemas.microsoft.com/office/drawing/2014/main" xmlns="" id="{008F3142-3CBB-4E72-8CDD-264103D3DBC4}"/>
               </a:ext>
             </a:extLst>
           </p:cNvPr>
@@ -5608,7 +5656,7 @@
               </a:rPr>
               <a:t>ВСІ ЗАПИТИ</a:t>
             </a:r>
-            <a:endParaRPr lang="ru-UA" dirty="0">
+            <a:endParaRPr lang="aa-ET" dirty="0">
               <a:latin typeface="Bahnschrift" panose="020B0502040204020203" pitchFamily="34" charset="0"/>
             </a:endParaRPr>
           </a:p>
@@ -5619,7 +5667,7 @@
           <p:cNvPr id="8" name="Ромб 7">
             <a:extLst>
               <a:ext uri="{FF2B5EF4-FFF2-40B4-BE49-F238E27FC236}">
-                <a16:creationId xmlns:a16="http://schemas.microsoft.com/office/drawing/2014/main" id="{EBA59C3B-7883-4BE7-9042-4A349519B61D}"/>
+                <a16:creationId xmlns:a16="http://schemas.microsoft.com/office/drawing/2014/main" xmlns="" id="{EBA59C3B-7883-4BE7-9042-4A349519B61D}"/>
               </a:ext>
             </a:extLst>
           </p:cNvPr>
@@ -5662,7 +5710,7 @@
               </a:rPr>
               <a:t>ВАЛІДАТОР</a:t>
             </a:r>
-            <a:endParaRPr lang="ru-UA" dirty="0">
+            <a:endParaRPr lang="aa-ET" dirty="0">
               <a:latin typeface="Bahnschrift" panose="020B0502040204020203" pitchFamily="34" charset="0"/>
             </a:endParaRPr>
           </a:p>
@@ -5673,7 +5721,7 @@
           <p:cNvPr id="9" name="Ромб 8">
             <a:extLst>
               <a:ext uri="{FF2B5EF4-FFF2-40B4-BE49-F238E27FC236}">
-                <a16:creationId xmlns:a16="http://schemas.microsoft.com/office/drawing/2014/main" id="{B8CAB7C6-4B7C-47BE-9CAD-78AFEB0DF879}"/>
+                <a16:creationId xmlns:a16="http://schemas.microsoft.com/office/drawing/2014/main" xmlns="" id="{B8CAB7C6-4B7C-47BE-9CAD-78AFEB0DF879}"/>
               </a:ext>
             </a:extLst>
           </p:cNvPr>
@@ -5716,7 +5764,7 @@
               </a:rPr>
               <a:t>АНАЛІЗАТОР</a:t>
             </a:r>
-            <a:endParaRPr lang="ru-UA" dirty="0">
+            <a:endParaRPr lang="aa-ET" dirty="0">
               <a:latin typeface="Bahnschrift" panose="020B0502040204020203" pitchFamily="34" charset="0"/>
             </a:endParaRPr>
           </a:p>
@@ -5727,7 +5775,7 @@
           <p:cNvPr id="10" name="Прямокутник: округлені кути 9">
             <a:extLst>
               <a:ext uri="{FF2B5EF4-FFF2-40B4-BE49-F238E27FC236}">
-                <a16:creationId xmlns:a16="http://schemas.microsoft.com/office/drawing/2014/main" id="{460B3F2C-9870-4A44-93B7-97B1190EBAE2}"/>
+                <a16:creationId xmlns:a16="http://schemas.microsoft.com/office/drawing/2014/main" xmlns="" id="{460B3F2C-9870-4A44-93B7-97B1190EBAE2}"/>
               </a:ext>
             </a:extLst>
           </p:cNvPr>
@@ -5770,7 +5818,7 @@
               </a:rPr>
               <a:t>ЗАБЛОКОВАНІ АБОНЕНТИ</a:t>
             </a:r>
-            <a:endParaRPr lang="ru-UA" dirty="0">
+            <a:endParaRPr lang="aa-ET" dirty="0">
               <a:latin typeface="Bahnschrift" panose="020B0502040204020203" pitchFamily="34" charset="0"/>
             </a:endParaRPr>
           </a:p>
@@ -5781,7 +5829,7 @@
           <p:cNvPr id="11" name="Прямокутник: округлені кути 10">
             <a:extLst>
               <a:ext uri="{FF2B5EF4-FFF2-40B4-BE49-F238E27FC236}">
-                <a16:creationId xmlns:a16="http://schemas.microsoft.com/office/drawing/2014/main" id="{34BE5FD7-7C57-4EF0-80D2-9C3D010679CC}"/>
+                <a16:creationId xmlns:a16="http://schemas.microsoft.com/office/drawing/2014/main" xmlns="" id="{34BE5FD7-7C57-4EF0-80D2-9C3D010679CC}"/>
               </a:ext>
             </a:extLst>
           </p:cNvPr>
@@ -5824,7 +5872,7 @@
               </a:rPr>
               <a:t>ЗАБЛОКОВАНІ ЗАПИТИ</a:t>
             </a:r>
-            <a:endParaRPr lang="ru-UA" dirty="0">
+            <a:endParaRPr lang="aa-ET" dirty="0">
               <a:latin typeface="Bahnschrift" panose="020B0502040204020203" pitchFamily="34" charset="0"/>
             </a:endParaRPr>
           </a:p>
@@ -5835,7 +5883,7 @@
           <p:cNvPr id="13" name="Пряма зі стрілкою 12">
             <a:extLst>
               <a:ext uri="{FF2B5EF4-FFF2-40B4-BE49-F238E27FC236}">
-                <a16:creationId xmlns:a16="http://schemas.microsoft.com/office/drawing/2014/main" id="{4D5EAEBF-7737-4C7D-9F58-333AF2006FD0}"/>
+                <a16:creationId xmlns:a16="http://schemas.microsoft.com/office/drawing/2014/main" xmlns="" id="{4D5EAEBF-7737-4C7D-9F58-333AF2006FD0}"/>
               </a:ext>
             </a:extLst>
           </p:cNvPr>
@@ -5878,7 +5926,7 @@
           <p:cNvPr id="15" name="Пряма зі стрілкою 14">
             <a:extLst>
               <a:ext uri="{FF2B5EF4-FFF2-40B4-BE49-F238E27FC236}">
-                <a16:creationId xmlns:a16="http://schemas.microsoft.com/office/drawing/2014/main" id="{0906CCAF-7011-4449-B15F-F90037713657}"/>
+                <a16:creationId xmlns:a16="http://schemas.microsoft.com/office/drawing/2014/main" xmlns="" id="{0906CCAF-7011-4449-B15F-F90037713657}"/>
               </a:ext>
             </a:extLst>
           </p:cNvPr>
@@ -5921,7 +5969,7 @@
           <p:cNvPr id="17" name="Пряма зі стрілкою 16">
             <a:extLst>
               <a:ext uri="{FF2B5EF4-FFF2-40B4-BE49-F238E27FC236}">
-                <a16:creationId xmlns:a16="http://schemas.microsoft.com/office/drawing/2014/main" id="{44E7FB60-E213-459E-B29D-0812F5066737}"/>
+                <a16:creationId xmlns:a16="http://schemas.microsoft.com/office/drawing/2014/main" xmlns="" id="{44E7FB60-E213-459E-B29D-0812F5066737}"/>
               </a:ext>
             </a:extLst>
           </p:cNvPr>
@@ -5964,7 +6012,7 @@
           <p:cNvPr id="19" name="Пряма зі стрілкою 18">
             <a:extLst>
               <a:ext uri="{FF2B5EF4-FFF2-40B4-BE49-F238E27FC236}">
-                <a16:creationId xmlns:a16="http://schemas.microsoft.com/office/drawing/2014/main" id="{1600C8C5-A062-46F9-AD93-D9EFC1D5F496}"/>
+                <a16:creationId xmlns:a16="http://schemas.microsoft.com/office/drawing/2014/main" xmlns="" id="{1600C8C5-A062-46F9-AD93-D9EFC1D5F496}"/>
               </a:ext>
             </a:extLst>
           </p:cNvPr>
@@ -6007,7 +6055,7 @@
           <p:cNvPr id="21" name="Пряма зі стрілкою 20">
             <a:extLst>
               <a:ext uri="{FF2B5EF4-FFF2-40B4-BE49-F238E27FC236}">
-                <a16:creationId xmlns:a16="http://schemas.microsoft.com/office/drawing/2014/main" id="{A5A23042-4620-4FFB-98B3-6956397F9352}"/>
+                <a16:creationId xmlns:a16="http://schemas.microsoft.com/office/drawing/2014/main" xmlns="" id="{A5A23042-4620-4FFB-98B3-6956397F9352}"/>
               </a:ext>
             </a:extLst>
           </p:cNvPr>
@@ -6748,7 +6796,7 @@
           <p:cNvPr id="2" name="Заголовок 1">
             <a:extLst>
               <a:ext uri="{FF2B5EF4-FFF2-40B4-BE49-F238E27FC236}">
-                <a16:creationId xmlns:a16="http://schemas.microsoft.com/office/drawing/2014/main" id="{5353AD6C-F262-4ED6-9457-F817B6516AE0}"/>
+                <a16:creationId xmlns:a16="http://schemas.microsoft.com/office/drawing/2014/main" xmlns="" id="{5353AD6C-F262-4ED6-9457-F817B6516AE0}"/>
               </a:ext>
             </a:extLst>
           </p:cNvPr>
@@ -6781,7 +6829,7 @@
               </a:rPr>
               <a:t>дашборд</a:t>
             </a:r>
-            <a:endParaRPr lang="ru-UA" dirty="0">
+            <a:endParaRPr lang="aa-ET" dirty="0">
               <a:latin typeface="Bahnschrift" panose="020B0502040204020203" pitchFamily="34" charset="0"/>
             </a:endParaRPr>
           </a:p>
@@ -6792,7 +6840,7 @@
           <p:cNvPr id="3" name="Місце для вмісту 2">
             <a:extLst>
               <a:ext uri="{FF2B5EF4-FFF2-40B4-BE49-F238E27FC236}">
-                <a16:creationId xmlns:a16="http://schemas.microsoft.com/office/drawing/2014/main" id="{61350C01-FEBF-45F8-A6AA-444A8DD31F25}"/>
+                <a16:creationId xmlns:a16="http://schemas.microsoft.com/office/drawing/2014/main" xmlns="" id="{61350C01-FEBF-45F8-A6AA-444A8DD31F25}"/>
               </a:ext>
             </a:extLst>
           </p:cNvPr>
@@ -6819,192 +6867,36 @@
               <a:buNone/>
             </a:pPr>
             <a:r>
-              <a:rPr lang="ru-RU" sz="2400" dirty="0">
+              <a:rPr lang="uk-UA" sz="2400" dirty="0" smtClean="0">
                 <a:latin typeface="Bahnschrift Light" panose="020B0502040204020203" pitchFamily="34" charset="0"/>
               </a:rPr>
-              <a:t>З </a:t>
-            </a:r>
-            <a:r>
-              <a:rPr lang="ru-RU" sz="2400" dirty="0" err="1">
+              <a:t>З використанням програмного забезпечення </a:t>
+            </a:r>
+            <a:r>
+              <a:rPr lang="uk-UA" sz="2400" dirty="0" err="1" smtClean="0">
                 <a:latin typeface="Bahnschrift Light" panose="020B0502040204020203" pitchFamily="34" charset="0"/>
               </a:rPr>
-              <a:t>використанням</a:t>
-            </a:r>
-            <a:r>
-              <a:rPr lang="ru-RU" sz="2400" dirty="0">
+              <a:t>Tableau</a:t>
+            </a:r>
+            <a:r>
+              <a:rPr lang="uk-UA" sz="2400" dirty="0" smtClean="0">
                 <a:latin typeface="Bahnschrift Light" panose="020B0502040204020203" pitchFamily="34" charset="0"/>
               </a:rPr>
-              <a:t> </a:t>
-            </a:r>
-            <a:r>
-              <a:rPr lang="ru-RU" sz="2400" dirty="0" err="1">
+              <a:t> було створено </a:t>
+            </a:r>
+            <a:r>
+              <a:rPr lang="uk-UA" sz="2400" dirty="0" err="1" smtClean="0">
                 <a:latin typeface="Bahnschrift Light" panose="020B0502040204020203" pitchFamily="34" charset="0"/>
               </a:rPr>
-              <a:t>програмного</a:t>
-            </a:r>
-            <a:r>
-              <a:rPr lang="ru-RU" sz="2400" dirty="0">
+              <a:t>дашборди</a:t>
+            </a:r>
+            <a:r>
+              <a:rPr lang="uk-UA" sz="2400" dirty="0" smtClean="0">
                 <a:latin typeface="Bahnschrift Light" panose="020B0502040204020203" pitchFamily="34" charset="0"/>
               </a:rPr>
-              <a:t> </a:t>
-            </a:r>
-            <a:r>
-              <a:rPr lang="ru-RU" sz="2400" dirty="0" err="1">
-                <a:latin typeface="Bahnschrift Light" panose="020B0502040204020203" pitchFamily="34" charset="0"/>
-              </a:rPr>
-              <a:t>забезпечення</a:t>
-            </a:r>
-            <a:r>
-              <a:rPr lang="ru-RU" sz="2400" dirty="0">
-                <a:latin typeface="Bahnschrift Light" panose="020B0502040204020203" pitchFamily="34" charset="0"/>
-              </a:rPr>
-              <a:t> </a:t>
-            </a:r>
-            <a:r>
-              <a:rPr lang="ru-RU" sz="2400" dirty="0" err="1">
-                <a:latin typeface="Bahnschrift Light" panose="020B0502040204020203" pitchFamily="34" charset="0"/>
-              </a:rPr>
-              <a:t>Tableau</a:t>
-            </a:r>
-            <a:r>
-              <a:rPr lang="ru-RU" sz="2400" dirty="0">
-                <a:latin typeface="Bahnschrift Light" panose="020B0502040204020203" pitchFamily="34" charset="0"/>
-              </a:rPr>
-              <a:t> </a:t>
-            </a:r>
-            <a:r>
-              <a:rPr lang="ru-RU" sz="2400" dirty="0" err="1">
-                <a:latin typeface="Bahnschrift Light" panose="020B0502040204020203" pitchFamily="34" charset="0"/>
-              </a:rPr>
-              <a:t>було</a:t>
-            </a:r>
-            <a:r>
-              <a:rPr lang="ru-RU" sz="2400" dirty="0">
-                <a:latin typeface="Bahnschrift Light" panose="020B0502040204020203" pitchFamily="34" charset="0"/>
-              </a:rPr>
-              <a:t> створено </a:t>
-            </a:r>
-            <a:r>
-              <a:rPr lang="ru-RU" sz="2400" dirty="0" err="1">
-                <a:latin typeface="Bahnschrift Light" panose="020B0502040204020203" pitchFamily="34" charset="0"/>
-              </a:rPr>
-              <a:t>дашборди</a:t>
-            </a:r>
-            <a:r>
-              <a:rPr lang="ru-RU" sz="2400" dirty="0">
-                <a:latin typeface="Bahnschrift Light" panose="020B0502040204020203" pitchFamily="34" charset="0"/>
-              </a:rPr>
-              <a:t>, в </a:t>
-            </a:r>
-            <a:r>
-              <a:rPr lang="ru-RU" sz="2400" dirty="0" err="1">
-                <a:latin typeface="Bahnschrift Light" panose="020B0502040204020203" pitchFamily="34" charset="0"/>
-              </a:rPr>
-              <a:t>яких</a:t>
-            </a:r>
-            <a:r>
-              <a:rPr lang="ru-RU" sz="2400" dirty="0">
-                <a:latin typeface="Bahnschrift Light" panose="020B0502040204020203" pitchFamily="34" charset="0"/>
-              </a:rPr>
-              <a:t> </a:t>
-            </a:r>
-            <a:r>
-              <a:rPr lang="ru-RU" sz="2400" dirty="0" err="1">
-                <a:latin typeface="Bahnschrift Light" panose="020B0502040204020203" pitchFamily="34" charset="0"/>
-              </a:rPr>
-              <a:t>відображається</a:t>
-            </a:r>
-            <a:r>
-              <a:rPr lang="ru-RU" sz="2400" dirty="0">
-                <a:latin typeface="Bahnschrift Light" panose="020B0502040204020203" pitchFamily="34" charset="0"/>
-              </a:rPr>
-              <a:t> </a:t>
-            </a:r>
-            <a:r>
-              <a:rPr lang="ru-RU" sz="2400" dirty="0" err="1">
-                <a:latin typeface="Bahnschrift Light" panose="020B0502040204020203" pitchFamily="34" charset="0"/>
-              </a:rPr>
-              <a:t>аналітика</a:t>
-            </a:r>
-            <a:r>
-              <a:rPr lang="ru-RU" sz="2400" dirty="0">
-                <a:latin typeface="Bahnschrift Light" panose="020B0502040204020203" pitchFamily="34" charset="0"/>
-              </a:rPr>
-              <a:t> за </a:t>
-            </a:r>
-            <a:r>
-              <a:rPr lang="ru-RU" sz="2400" dirty="0" err="1">
-                <a:latin typeface="Bahnschrift Light" panose="020B0502040204020203" pitchFamily="34" charset="0"/>
-              </a:rPr>
-              <a:t>різними</a:t>
-            </a:r>
-            <a:r>
-              <a:rPr lang="ru-RU" sz="2400" dirty="0">
-                <a:latin typeface="Bahnschrift Light" panose="020B0502040204020203" pitchFamily="34" charset="0"/>
-              </a:rPr>
-              <a:t> </a:t>
-            </a:r>
-            <a:r>
-              <a:rPr lang="ru-RU" sz="2400" dirty="0" err="1">
-                <a:latin typeface="Bahnschrift Light" panose="020B0502040204020203" pitchFamily="34" charset="0"/>
-              </a:rPr>
-              <a:t>даними</a:t>
-            </a:r>
-            <a:r>
-              <a:rPr lang="ru-RU" sz="2400" dirty="0">
-                <a:latin typeface="Bahnschrift Light" panose="020B0502040204020203" pitchFamily="34" charset="0"/>
-              </a:rPr>
-              <a:t> з </a:t>
-            </a:r>
-            <a:r>
-              <a:rPr lang="ru-RU" sz="2400" dirty="0" err="1">
-                <a:latin typeface="Bahnschrift Light" panose="020B0502040204020203" pitchFamily="34" charset="0"/>
-              </a:rPr>
-              <a:t>фільтрами</a:t>
-            </a:r>
-            <a:r>
-              <a:rPr lang="ru-RU" sz="2400" dirty="0">
-                <a:latin typeface="Bahnschrift Light" panose="020B0502040204020203" pitchFamily="34" charset="0"/>
-              </a:rPr>
-              <a:t>. Вони </a:t>
-            </a:r>
-            <a:r>
-              <a:rPr lang="ru-RU" sz="2400" dirty="0" err="1">
-                <a:latin typeface="Bahnschrift Light" panose="020B0502040204020203" pitchFamily="34" charset="0"/>
-              </a:rPr>
-              <a:t>мають</a:t>
-            </a:r>
-            <a:r>
-              <a:rPr lang="ru-RU" sz="2400" dirty="0">
-                <a:latin typeface="Bahnschrift Light" panose="020B0502040204020203" pitchFamily="34" charset="0"/>
-              </a:rPr>
-              <a:t> </a:t>
-            </a:r>
-            <a:r>
-              <a:rPr lang="ru-RU" sz="2400" dirty="0" err="1">
-                <a:latin typeface="Bahnschrift Light" panose="020B0502040204020203" pitchFamily="34" charset="0"/>
-              </a:rPr>
-              <a:t>наступний</a:t>
-            </a:r>
-            <a:r>
-              <a:rPr lang="ru-RU" sz="2400" dirty="0">
-                <a:latin typeface="Bahnschrift Light" panose="020B0502040204020203" pitchFamily="34" charset="0"/>
-              </a:rPr>
-              <a:t> </a:t>
-            </a:r>
-            <a:r>
-              <a:rPr lang="ru-RU" sz="2400" dirty="0" err="1">
-                <a:latin typeface="Bahnschrift Light" panose="020B0502040204020203" pitchFamily="34" charset="0"/>
-              </a:rPr>
-              <a:t>вигляд</a:t>
-            </a:r>
-            <a:r>
-              <a:rPr lang="ru-RU" sz="2400" dirty="0">
-                <a:latin typeface="Bahnschrift Light" panose="020B0502040204020203" pitchFamily="34" charset="0"/>
-              </a:rPr>
-              <a:t>:</a:t>
-            </a:r>
-            <a:endParaRPr lang="ru-UA" sz="2400" dirty="0">
+              <a:t>, в яких відображається аналітика за різними даними з фільтрами. Вони мають наступний вигляд:</a:t>
+            </a:r>
+            <a:endParaRPr lang="uk-UA" sz="2400" dirty="0">
               <a:latin typeface="Bahnschrift Light" panose="020B0502040204020203" pitchFamily="34" charset="0"/>
             </a:endParaRPr>
           </a:p>
@@ -7015,7 +6907,7 @@
           <p:cNvPr id="4" name="Рисунок 3">
             <a:extLst>
               <a:ext uri="{FF2B5EF4-FFF2-40B4-BE49-F238E27FC236}">
-                <a16:creationId xmlns:a16="http://schemas.microsoft.com/office/drawing/2014/main" id="{34DDCDDC-6CF6-4F4B-879B-CD37979B929F}"/>
+                <a16:creationId xmlns:a16="http://schemas.microsoft.com/office/drawing/2014/main" xmlns="" id="{34DDCDDC-6CF6-4F4B-879B-CD37979B929F}"/>
               </a:ext>
             </a:extLst>
           </p:cNvPr>
@@ -7043,7 +6935,7 @@
           <p:cNvPr id="5" name="Рисунок 4">
             <a:extLst>
               <a:ext uri="{FF2B5EF4-FFF2-40B4-BE49-F238E27FC236}">
-                <a16:creationId xmlns:a16="http://schemas.microsoft.com/office/drawing/2014/main" id="{A0E87A70-6F77-4C2E-A9CC-7B7D7FD8D319}"/>
+                <a16:creationId xmlns:a16="http://schemas.microsoft.com/office/drawing/2014/main" xmlns="" id="{A0E87A70-6F77-4C2E-A9CC-7B7D7FD8D319}"/>
               </a:ext>
             </a:extLst>
           </p:cNvPr>
@@ -7071,7 +6963,7 @@
           <p:cNvPr id="6" name="Рисунок 5">
             <a:extLst>
               <a:ext uri="{FF2B5EF4-FFF2-40B4-BE49-F238E27FC236}">
-                <a16:creationId xmlns:a16="http://schemas.microsoft.com/office/drawing/2014/main" id="{0B2F4493-64C9-4C4D-BF80-8A6F5BC43687}"/>
+                <a16:creationId xmlns:a16="http://schemas.microsoft.com/office/drawing/2014/main" xmlns="" id="{0B2F4493-64C9-4C4D-BF80-8A6F5BC43687}"/>
               </a:ext>
             </a:extLst>
           </p:cNvPr>
@@ -7099,7 +6991,7 @@
           <p:cNvPr id="10" name="Рисунок 9">
             <a:extLst>
               <a:ext uri="{FF2B5EF4-FFF2-40B4-BE49-F238E27FC236}">
-                <a16:creationId xmlns:a16="http://schemas.microsoft.com/office/drawing/2014/main" id="{521926EB-ABB5-4E60-8787-E5F7A9A1F4DC}"/>
+                <a16:creationId xmlns:a16="http://schemas.microsoft.com/office/drawing/2014/main" xmlns="" id="{521926EB-ABB5-4E60-8787-E5F7A9A1F4DC}"/>
               </a:ext>
             </a:extLst>
           </p:cNvPr>
@@ -7127,7 +7019,7 @@
           <p:cNvPr id="8" name="Рисунок 7">
             <a:extLst>
               <a:ext uri="{FF2B5EF4-FFF2-40B4-BE49-F238E27FC236}">
-                <a16:creationId xmlns:a16="http://schemas.microsoft.com/office/drawing/2014/main" id="{3119D4FD-808C-4FA7-B8F7-176E8791275E}"/>
+                <a16:creationId xmlns:a16="http://schemas.microsoft.com/office/drawing/2014/main" xmlns="" id="{3119D4FD-808C-4FA7-B8F7-176E8791275E}"/>
               </a:ext>
             </a:extLst>
           </p:cNvPr>
@@ -7144,34 +7036,6 @@
           <a:xfrm>
             <a:off x="1371524" y="2983419"/>
             <a:ext cx="8377594" cy="3445251"/>
-          </a:xfrm>
-          <a:prstGeom prst="rect">
-            <a:avLst/>
-          </a:prstGeom>
-        </p:spPr>
-      </p:pic>
-      <p:pic>
-        <p:nvPicPr>
-          <p:cNvPr id="9" name="Рисунок 8">
-            <a:extLst>
-              <a:ext uri="{FF2B5EF4-FFF2-40B4-BE49-F238E27FC236}">
-                <a16:creationId xmlns:a16="http://schemas.microsoft.com/office/drawing/2014/main" id="{BB7C2629-94FC-4EAC-8AA5-39539C35EC6B}"/>
-              </a:ext>
-            </a:extLst>
-          </p:cNvPr>
-          <p:cNvPicPr/>
-          <p:nvPr/>
-        </p:nvPicPr>
-        <p:blipFill>
-          <a:blip r:embed="rId7"/>
-          <a:stretch>
-            <a:fillRect/>
-          </a:stretch>
-        </p:blipFill>
-        <p:spPr>
-          <a:xfrm>
-            <a:off x="1380865" y="3008104"/>
-            <a:ext cx="8377594" cy="3458300"/>
           </a:xfrm>
           <a:prstGeom prst="rect">
             <a:avLst/>
@@ -7396,59 +7260,6 @@
                                         <p:cTn id="22" dur="500"/>
                                         <p:tgtEl>
                                           <p:spTgt spid="8"/>
-                                        </p:tgtEl>
-                                      </p:cBhvr>
-                                    </p:animEffect>
-                                  </p:childTnLst>
-                                </p:cTn>
-                              </p:par>
-                            </p:childTnLst>
-                          </p:cTn>
-                        </p:par>
-                      </p:childTnLst>
-                    </p:cTn>
-                  </p:par>
-                  <p:par>
-                    <p:cTn id="23" fill="hold">
-                      <p:stCondLst>
-                        <p:cond delay="indefinite"/>
-                      </p:stCondLst>
-                      <p:childTnLst>
-                        <p:par>
-                          <p:cTn id="24" fill="hold">
-                            <p:stCondLst>
-                              <p:cond delay="0"/>
-                            </p:stCondLst>
-                            <p:childTnLst>
-                              <p:par>
-                                <p:cTn id="25" presetID="22" presetClass="entr" presetSubtype="4" fill="hold" nodeType="clickEffect">
-                                  <p:stCondLst>
-                                    <p:cond delay="0"/>
-                                  </p:stCondLst>
-                                  <p:childTnLst>
-                                    <p:set>
-                                      <p:cBhvr>
-                                        <p:cTn id="26" dur="1" fill="hold">
-                                          <p:stCondLst>
-                                            <p:cond delay="0"/>
-                                          </p:stCondLst>
-                                        </p:cTn>
-                                        <p:tgtEl>
-                                          <p:spTgt spid="9"/>
-                                        </p:tgtEl>
-                                        <p:attrNameLst>
-                                          <p:attrName>style.visibility</p:attrName>
-                                        </p:attrNameLst>
-                                      </p:cBhvr>
-                                      <p:to>
-                                        <p:strVal val="visible"/>
-                                      </p:to>
-                                    </p:set>
-                                    <p:animEffect transition="in" filter="wipe(down)">
-                                      <p:cBhvr>
-                                        <p:cTn id="27" dur="500"/>
-                                        <p:tgtEl>
-                                          <p:spTgt spid="9"/>
                                         </p:tgtEl>
                                       </p:cBhvr>
                                     </p:animEffect>
